--- a/lesson-3/Black Box Testing - Excercises.pptx
+++ b/lesson-3/Black Box Testing - Excercises.pptx
@@ -3601,7 +3601,7 @@
                 <a:ea typeface="MS PGothic" panose="020B0600070205080204" pitchFamily="34" charset="-128"/>
                 <a:cs typeface="+mn-cs"/>
               </a:rPr>
-              <a:t>3-Nov-16</a:t>
+              <a:t>24-Nov-16</a:t>
             </a:fld>
             <a:endParaRPr kumimoji="0" lang="en-GB" sz="975" b="0" i="0" u="none" kern="1200" baseline="0" dirty="0" smtClean="0">
               <a:solidFill>
@@ -8813,6 +8813,15 @@
 </file>
 
 <file path=customXml/item1.xml><?xml version="1.0" encoding="utf-8"?>
+<?mso-contentType ?>
+<FormTemplates xmlns="http://schemas.microsoft.com/sharepoint/v3/contenttype/forms">
+  <Display>DocumentLibraryForm</Display>
+  <Edit>DocumentLibraryForm</Edit>
+  <New>DocumentLibraryForm</New>
+</FormTemplates>
+</file>
+
+<file path=customXml/item2.xml><?xml version="1.0" encoding="utf-8"?>
 <ct:contentTypeSchema xmlns:ct="http://schemas.microsoft.com/office/2006/metadata/contentType" xmlns:ma="http://schemas.microsoft.com/office/2006/metadata/properties/metaAttributes" ct:_="" ma:_="" ma:contentTypeName="Dokument" ma:contentTypeID="0x010100AA54360A2A4C9D41BAEAEC5B88091E96" ma:contentTypeVersion="0" ma:contentTypeDescription="Ein neues Dokument erstellen." ma:contentTypeScope="" ma:versionID="adbe31085c672446fb9e5148d79a6dc6">
   <xsd:schema xmlns:xsd="http://www.w3.org/2001/XMLSchema" xmlns:xs="http://www.w3.org/2001/XMLSchema" xmlns:p="http://schemas.microsoft.com/office/2006/metadata/properties" targetNamespace="http://schemas.microsoft.com/office/2006/metadata/properties" ma:root="true" ma:fieldsID="cb715de677b26ad619381b53932d724a">
     <xsd:element name="properties">
@@ -8926,15 +8935,6 @@
 </ct:contentTypeSchema>
 </file>
 
-<file path=customXml/item2.xml><?xml version="1.0" encoding="utf-8"?>
-<?mso-contentType ?>
-<FormTemplates xmlns="http://schemas.microsoft.com/sharepoint/v3/contenttype/forms">
-  <Display>DocumentLibraryForm</Display>
-  <Edit>DocumentLibraryForm</Edit>
-  <New>DocumentLibraryForm</New>
-</FormTemplates>
-</file>
-
 <file path=customXml/item3.xml><?xml version="1.0" encoding="utf-8"?>
 <p:properties xmlns:p="http://schemas.microsoft.com/office/2006/metadata/properties" xmlns:xsi="http://www.w3.org/2001/XMLSchema-instance" xmlns:pc="http://schemas.microsoft.com/office/infopath/2007/PartnerControls">
   <documentManagement/>
@@ -8942,6 +8942,14 @@
 </file>
 
 <file path=customXml/itemProps1.xml><?xml version="1.0" encoding="utf-8"?>
+<ds:datastoreItem xmlns:ds="http://schemas.openxmlformats.org/officeDocument/2006/customXml" ds:itemID="{A99115DC-C02A-4EF3-990D-5FF7CC0EE91A}">
+  <ds:schemaRefs>
+    <ds:schemaRef ds:uri="http://schemas.microsoft.com/sharepoint/v3/contenttype/forms"/>
+  </ds:schemaRefs>
+</ds:datastoreItem>
+</file>
+
+<file path=customXml/itemProps2.xml><?xml version="1.0" encoding="utf-8"?>
 <ds:datastoreItem xmlns:ds="http://schemas.openxmlformats.org/officeDocument/2006/customXml" ds:itemID="{C17FC477-C6F3-4824-AF67-67A952D7D3F1}">
   <ds:schemaRefs>
     <ds:schemaRef ds:uri="http://schemas.microsoft.com/office/2006/metadata/contentType"/>
@@ -8953,14 +8961,6 @@
     <ds:schemaRef ds:uri="http://purl.org/dc/terms/"/>
     <ds:schemaRef ds:uri="http://schemas.microsoft.com/internal/obd"/>
     <ds:schemaRef ds:uri="http://schemas.microsoft.com/office/infopath/2007/PartnerControls"/>
-  </ds:schemaRefs>
-</ds:datastoreItem>
-</file>
-
-<file path=customXml/itemProps2.xml><?xml version="1.0" encoding="utf-8"?>
-<ds:datastoreItem xmlns:ds="http://schemas.openxmlformats.org/officeDocument/2006/customXml" ds:itemID="{A99115DC-C02A-4EF3-990D-5FF7CC0EE91A}">
-  <ds:schemaRefs>
-    <ds:schemaRef ds:uri="http://schemas.microsoft.com/sharepoint/v3/contenttype/forms"/>
   </ds:schemaRefs>
 </ds:datastoreItem>
 </file>
